--- a/Jasmin_hokeys/Express/express-1.pptx
+++ b/Jasmin_hokeys/Express/express-1.pptx
@@ -300,7 +300,7 @@
           <a:p>
             <a:fld id="{36EAE85C-68F9-2D48-9CE4-E25F1F9A5C59}" type="datetimeFigureOut">
               <a:rPr kumimoji="1" lang="ko-Kore-KR" altLang="en-US" smtClean="0"/>
-              <a:t>2020. 7. 18.</a:t>
+              <a:t>2020. 7. 23.</a:t>
             </a:fld>
             <a:endParaRPr kumimoji="1" lang="ko-Kore-KR" altLang="en-US"/>
           </a:p>
@@ -500,7 +500,7 @@
           <a:p>
             <a:fld id="{36EAE85C-68F9-2D48-9CE4-E25F1F9A5C59}" type="datetimeFigureOut">
               <a:rPr kumimoji="1" lang="ko-Kore-KR" altLang="en-US" smtClean="0"/>
-              <a:t>2020. 7. 18.</a:t>
+              <a:t>2020. 7. 23.</a:t>
             </a:fld>
             <a:endParaRPr kumimoji="1" lang="ko-Kore-KR" altLang="en-US"/>
           </a:p>
@@ -710,7 +710,7 @@
           <a:p>
             <a:fld id="{36EAE85C-68F9-2D48-9CE4-E25F1F9A5C59}" type="datetimeFigureOut">
               <a:rPr kumimoji="1" lang="ko-Kore-KR" altLang="en-US" smtClean="0"/>
-              <a:t>2020. 7. 18.</a:t>
+              <a:t>2020. 7. 23.</a:t>
             </a:fld>
             <a:endParaRPr kumimoji="1" lang="ko-Kore-KR" altLang="en-US"/>
           </a:p>
@@ -910,7 +910,7 @@
           <a:p>
             <a:fld id="{36EAE85C-68F9-2D48-9CE4-E25F1F9A5C59}" type="datetimeFigureOut">
               <a:rPr kumimoji="1" lang="ko-Kore-KR" altLang="en-US" smtClean="0"/>
-              <a:t>2020. 7. 18.</a:t>
+              <a:t>2020. 7. 23.</a:t>
             </a:fld>
             <a:endParaRPr kumimoji="1" lang="ko-Kore-KR" altLang="en-US"/>
           </a:p>
@@ -1186,7 +1186,7 @@
           <a:p>
             <a:fld id="{36EAE85C-68F9-2D48-9CE4-E25F1F9A5C59}" type="datetimeFigureOut">
               <a:rPr kumimoji="1" lang="ko-Kore-KR" altLang="en-US" smtClean="0"/>
-              <a:t>2020. 7. 18.</a:t>
+              <a:t>2020. 7. 23.</a:t>
             </a:fld>
             <a:endParaRPr kumimoji="1" lang="ko-Kore-KR" altLang="en-US"/>
           </a:p>
@@ -1454,7 +1454,7 @@
           <a:p>
             <a:fld id="{36EAE85C-68F9-2D48-9CE4-E25F1F9A5C59}" type="datetimeFigureOut">
               <a:rPr kumimoji="1" lang="ko-Kore-KR" altLang="en-US" smtClean="0"/>
-              <a:t>2020. 7. 18.</a:t>
+              <a:t>2020. 7. 23.</a:t>
             </a:fld>
             <a:endParaRPr kumimoji="1" lang="ko-Kore-KR" altLang="en-US"/>
           </a:p>
@@ -1869,7 +1869,7 @@
           <a:p>
             <a:fld id="{36EAE85C-68F9-2D48-9CE4-E25F1F9A5C59}" type="datetimeFigureOut">
               <a:rPr kumimoji="1" lang="ko-Kore-KR" altLang="en-US" smtClean="0"/>
-              <a:t>2020. 7. 18.</a:t>
+              <a:t>2020. 7. 23.</a:t>
             </a:fld>
             <a:endParaRPr kumimoji="1" lang="ko-Kore-KR" altLang="en-US"/>
           </a:p>
@@ -2011,7 +2011,7 @@
           <a:p>
             <a:fld id="{36EAE85C-68F9-2D48-9CE4-E25F1F9A5C59}" type="datetimeFigureOut">
               <a:rPr kumimoji="1" lang="ko-Kore-KR" altLang="en-US" smtClean="0"/>
-              <a:t>2020. 7. 18.</a:t>
+              <a:t>2020. 7. 23.</a:t>
             </a:fld>
             <a:endParaRPr kumimoji="1" lang="ko-Kore-KR" altLang="en-US"/>
           </a:p>
@@ -2124,7 +2124,7 @@
           <a:p>
             <a:fld id="{36EAE85C-68F9-2D48-9CE4-E25F1F9A5C59}" type="datetimeFigureOut">
               <a:rPr kumimoji="1" lang="ko-Kore-KR" altLang="en-US" smtClean="0"/>
-              <a:t>2020. 7. 18.</a:t>
+              <a:t>2020. 7. 23.</a:t>
             </a:fld>
             <a:endParaRPr kumimoji="1" lang="ko-Kore-KR" altLang="en-US"/>
           </a:p>
@@ -2437,7 +2437,7 @@
           <a:p>
             <a:fld id="{36EAE85C-68F9-2D48-9CE4-E25F1F9A5C59}" type="datetimeFigureOut">
               <a:rPr kumimoji="1" lang="ko-Kore-KR" altLang="en-US" smtClean="0"/>
-              <a:t>2020. 7. 18.</a:t>
+              <a:t>2020. 7. 23.</a:t>
             </a:fld>
             <a:endParaRPr kumimoji="1" lang="ko-Kore-KR" altLang="en-US"/>
           </a:p>
@@ -2726,7 +2726,7 @@
           <a:p>
             <a:fld id="{36EAE85C-68F9-2D48-9CE4-E25F1F9A5C59}" type="datetimeFigureOut">
               <a:rPr kumimoji="1" lang="ko-Kore-KR" altLang="en-US" smtClean="0"/>
-              <a:t>2020. 7. 18.</a:t>
+              <a:t>2020. 7. 23.</a:t>
             </a:fld>
             <a:endParaRPr kumimoji="1" lang="ko-Kore-KR" altLang="en-US"/>
           </a:p>
@@ -2969,7 +2969,7 @@
           <a:p>
             <a:fld id="{36EAE85C-68F9-2D48-9CE4-E25F1F9A5C59}" type="datetimeFigureOut">
               <a:rPr kumimoji="1" lang="ko-Kore-KR" altLang="en-US" smtClean="0"/>
-              <a:t>2020. 7. 18.</a:t>
+              <a:t>2020. 7. 23.</a:t>
             </a:fld>
             <a:endParaRPr kumimoji="1" lang="ko-Kore-KR" altLang="en-US"/>
           </a:p>
@@ -21082,12 +21082,11 @@
               </a:rPr>
               <a:t>저장 하기</a:t>
             </a:r>
-            <a:endParaRPr lang="ko-Kore-KR" altLang="ko-Kore-KR" kern="100" dirty="0">
+            <a:endParaRPr lang="en-US" altLang="ko-KR" kern="100" dirty="0">
               <a:solidFill>
                 <a:schemeClr val="bg1"/>
               </a:solidFill>
               <a:latin typeface="Calibri" panose="020F0502020204030204" pitchFamily="34" charset="0"/>
-              <a:ea typeface="맑은 고딕" panose="020B0503020000020004" pitchFamily="34" charset="-127"/>
               <a:cs typeface="Times New Roman" panose="02020603050405020304" pitchFamily="18" charset="0"/>
             </a:endParaRPr>
           </a:p>
@@ -21105,20 +21104,10 @@
                 <a:ea typeface="맑은 고딕" panose="020B0503020000020004" pitchFamily="34" charset="-127"/>
                 <a:cs typeface="Times New Roman" panose="02020603050405020304" pitchFamily="18" charset="0"/>
               </a:rPr>
-              <a:t>Server to client data transfer </a:t>
-            </a:r>
-            <a:r>
-              <a:rPr lang="ko-KR" altLang="ko-Kore-KR" kern="100" dirty="0">
-                <a:solidFill>
-                  <a:schemeClr val="bg1"/>
-                </a:solidFill>
-                <a:latin typeface="Calibri" panose="020F0502020204030204" pitchFamily="34" charset="0"/>
-                <a:cs typeface="Times New Roman" panose="02020603050405020304" pitchFamily="18" charset="0"/>
-              </a:rPr>
-              <a:t>구성하기 </a:t>
-            </a:r>
-            <a:r>
-              <a:rPr lang="en-US" altLang="ko-Kore-KR" kern="100" dirty="0">
+              <a:t>Join/login</a:t>
+            </a:r>
+            <a:r>
+              <a:rPr lang="ko-KR" altLang="en-US" kern="100" dirty="0">
                 <a:solidFill>
                   <a:schemeClr val="bg1"/>
                 </a:solidFill>
@@ -21126,28 +21115,7 @@
                 <a:ea typeface="맑은 고딕" panose="020B0503020000020004" pitchFamily="34" charset="-127"/>
                 <a:cs typeface="Times New Roman" panose="02020603050405020304" pitchFamily="18" charset="0"/>
               </a:rPr>
-              <a:t>(</a:t>
-            </a:r>
-            <a:r>
-              <a:rPr lang="ko-KR" altLang="ko-Kore-KR" kern="100" dirty="0">
-                <a:solidFill>
-                  <a:schemeClr val="bg1"/>
-                </a:solidFill>
-                <a:latin typeface="Calibri" panose="020F0502020204030204" pitchFamily="34" charset="0"/>
-                <a:cs typeface="Times New Roman" panose="02020603050405020304" pitchFamily="18" charset="0"/>
-              </a:rPr>
-              <a:t>글 가져오기</a:t>
-            </a:r>
-            <a:r>
-              <a:rPr lang="en-US" altLang="ko-Kore-KR" kern="100" dirty="0">
-                <a:solidFill>
-                  <a:schemeClr val="bg1"/>
-                </a:solidFill>
-                <a:latin typeface="Calibri" panose="020F0502020204030204" pitchFamily="34" charset="0"/>
-                <a:ea typeface="맑은 고딕" panose="020B0503020000020004" pitchFamily="34" charset="-127"/>
-                <a:cs typeface="Times New Roman" panose="02020603050405020304" pitchFamily="18" charset="0"/>
-              </a:rPr>
-              <a:t>)</a:t>
+              <a:t> 구현</a:t>
             </a:r>
             <a:endParaRPr lang="ko-Kore-KR" altLang="ko-Kore-KR" kern="100" dirty="0">
               <a:solidFill>
@@ -22585,7 +22553,7 @@
         <p:spPr>
           <a:xfrm>
             <a:off x="3258207" y="1897650"/>
-            <a:ext cx="6096000" cy="1200329"/>
+            <a:ext cx="6096000" cy="923330"/>
           </a:xfrm>
           <a:prstGeom prst="rect">
             <a:avLst/>
@@ -22645,17 +22613,18 @@
                 <a:ea typeface="맑은 고딕" panose="020B0503020000020004" pitchFamily="34" charset="-127"/>
                 <a:cs typeface="Times New Roman" panose="02020603050405020304" pitchFamily="18" charset="0"/>
               </a:rPr>
-              <a:t>Join/login </a:t>
-            </a:r>
-            <a:r>
-              <a:rPr lang="ko-KR" altLang="ko-Kore-KR" kern="100" dirty="0">
+              <a:t>Cookie</a:t>
+            </a:r>
+            <a:r>
+              <a:rPr lang="ko-KR" altLang="en-US" kern="100" dirty="0">
                 <a:solidFill>
                   <a:schemeClr val="bg1"/>
                 </a:solidFill>
                 <a:latin typeface="Calibri" panose="020F0502020204030204" pitchFamily="34" charset="0"/>
+                <a:ea typeface="맑은 고딕" panose="020B0503020000020004" pitchFamily="34" charset="-127"/>
                 <a:cs typeface="Times New Roman" panose="02020603050405020304" pitchFamily="18" charset="0"/>
               </a:rPr>
-              <a:t>구현하기</a:t>
+              <a:t>로 회원만 메인페이지에 접속하게 하기</a:t>
             </a:r>
             <a:endParaRPr lang="ko-Kore-KR" altLang="ko-Kore-KR" kern="100" dirty="0">
               <a:solidFill>
@@ -22672,7 +22641,7 @@
               <a:buAutoNum type="arabicPeriod"/>
             </a:pPr>
             <a:r>
-              <a:rPr lang="en-US" altLang="ko-Kore-KR" kern="100" dirty="0">
+              <a:rPr lang="ko-KR" altLang="en-US" kern="100" dirty="0">
                 <a:solidFill>
                   <a:schemeClr val="bg1"/>
                 </a:solidFill>
@@ -22680,74 +22649,7 @@
                 <a:ea typeface="맑은 고딕" panose="020B0503020000020004" pitchFamily="34" charset="-127"/>
                 <a:cs typeface="Times New Roman" panose="02020603050405020304" pitchFamily="18" charset="0"/>
               </a:rPr>
-              <a:t>next()</a:t>
-            </a:r>
-            <a:endParaRPr lang="ko-Kore-KR" altLang="ko-Kore-KR" kern="100" dirty="0">
-              <a:solidFill>
-                <a:schemeClr val="bg1"/>
-              </a:solidFill>
-              <a:latin typeface="Calibri" panose="020F0502020204030204" pitchFamily="34" charset="0"/>
-              <a:ea typeface="맑은 고딕" panose="020B0503020000020004" pitchFamily="34" charset="-127"/>
-              <a:cs typeface="Times New Roman" panose="02020603050405020304" pitchFamily="18" charset="0"/>
-            </a:endParaRPr>
-          </a:p>
-          <a:p>
-            <a:pPr marL="342900" lvl="0" indent="-342900" algn="just" latinLnBrk="1">
-              <a:buFont typeface="+mj-lt"/>
-              <a:buAutoNum type="arabicPeriod"/>
-            </a:pPr>
-            <a:r>
-              <a:rPr lang="en-US" altLang="ko-Kore-KR" kern="100" dirty="0">
-                <a:solidFill>
-                  <a:schemeClr val="bg1"/>
-                </a:solidFill>
-                <a:latin typeface="Calibri" panose="020F0502020204030204" pitchFamily="34" charset="0"/>
-                <a:ea typeface="맑은 고딕" panose="020B0503020000020004" pitchFamily="34" charset="-127"/>
-                <a:cs typeface="Times New Roman" panose="02020603050405020304" pitchFamily="18" charset="0"/>
-              </a:rPr>
-              <a:t>cookie</a:t>
-            </a:r>
-            <a:r>
-              <a:rPr lang="ko-KR" altLang="ko-Kore-KR" kern="100" dirty="0">
-                <a:solidFill>
-                  <a:schemeClr val="bg1"/>
-                </a:solidFill>
-                <a:latin typeface="Calibri" panose="020F0502020204030204" pitchFamily="34" charset="0"/>
-                <a:cs typeface="Times New Roman" panose="02020603050405020304" pitchFamily="18" charset="0"/>
-              </a:rPr>
-              <a:t>로 회원만</a:t>
-            </a:r>
-            <a:r>
-              <a:rPr lang="en-US" altLang="ko-Kore-KR" kern="100" dirty="0">
-                <a:solidFill>
-                  <a:schemeClr val="bg1"/>
-                </a:solidFill>
-                <a:latin typeface="Calibri" panose="020F0502020204030204" pitchFamily="34" charset="0"/>
-                <a:ea typeface="맑은 고딕" panose="020B0503020000020004" pitchFamily="34" charset="-127"/>
-                <a:cs typeface="Times New Roman" panose="02020603050405020304" pitchFamily="18" charset="0"/>
-              </a:rPr>
-              <a:t> data</a:t>
-            </a:r>
-            <a:r>
-              <a:rPr lang="ko-KR" altLang="ko-Kore-KR" kern="100" dirty="0">
-                <a:solidFill>
-                  <a:schemeClr val="bg1"/>
-                </a:solidFill>
-                <a:latin typeface="Calibri" panose="020F0502020204030204" pitchFamily="34" charset="0"/>
-                <a:cs typeface="Times New Roman" panose="02020603050405020304" pitchFamily="18" charset="0"/>
-              </a:rPr>
-              <a:t>에 접근하도록 하기</a:t>
-            </a:r>
-            <a:r>
-              <a:rPr lang="en-US" altLang="ko-Kore-KR" kern="100" dirty="0">
-                <a:solidFill>
-                  <a:schemeClr val="bg1"/>
-                </a:solidFill>
-                <a:latin typeface="Calibri" panose="020F0502020204030204" pitchFamily="34" charset="0"/>
-                <a:ea typeface="맑은 고딕" panose="020B0503020000020004" pitchFamily="34" charset="-127"/>
-                <a:cs typeface="Times New Roman" panose="02020603050405020304" pitchFamily="18" charset="0"/>
-              </a:rPr>
-              <a:t>.</a:t>
+              <a:t>글쓰기</a:t>
             </a:r>
             <a:endParaRPr lang="ko-Kore-KR" altLang="ko-Kore-KR" kern="100" dirty="0">
               <a:solidFill>

--- a/Jasmin_hokeys/Express/express-1.pptx
+++ b/Jasmin_hokeys/Express/express-1.pptx
@@ -300,7 +300,7 @@
           <a:p>
             <a:fld id="{36EAE85C-68F9-2D48-9CE4-E25F1F9A5C59}" type="datetimeFigureOut">
               <a:rPr kumimoji="1" lang="ko-Kore-KR" altLang="en-US" smtClean="0"/>
-              <a:t>2020. 7. 23.</a:t>
+              <a:t>2020. 7. 29.</a:t>
             </a:fld>
             <a:endParaRPr kumimoji="1" lang="ko-Kore-KR" altLang="en-US"/>
           </a:p>
@@ -500,7 +500,7 @@
           <a:p>
             <a:fld id="{36EAE85C-68F9-2D48-9CE4-E25F1F9A5C59}" type="datetimeFigureOut">
               <a:rPr kumimoji="1" lang="ko-Kore-KR" altLang="en-US" smtClean="0"/>
-              <a:t>2020. 7. 23.</a:t>
+              <a:t>2020. 7. 29.</a:t>
             </a:fld>
             <a:endParaRPr kumimoji="1" lang="ko-Kore-KR" altLang="en-US"/>
           </a:p>
@@ -710,7 +710,7 @@
           <a:p>
             <a:fld id="{36EAE85C-68F9-2D48-9CE4-E25F1F9A5C59}" type="datetimeFigureOut">
               <a:rPr kumimoji="1" lang="ko-Kore-KR" altLang="en-US" smtClean="0"/>
-              <a:t>2020. 7. 23.</a:t>
+              <a:t>2020. 7. 29.</a:t>
             </a:fld>
             <a:endParaRPr kumimoji="1" lang="ko-Kore-KR" altLang="en-US"/>
           </a:p>
@@ -910,7 +910,7 @@
           <a:p>
             <a:fld id="{36EAE85C-68F9-2D48-9CE4-E25F1F9A5C59}" type="datetimeFigureOut">
               <a:rPr kumimoji="1" lang="ko-Kore-KR" altLang="en-US" smtClean="0"/>
-              <a:t>2020. 7. 23.</a:t>
+              <a:t>2020. 7. 29.</a:t>
             </a:fld>
             <a:endParaRPr kumimoji="1" lang="ko-Kore-KR" altLang="en-US"/>
           </a:p>
@@ -1186,7 +1186,7 @@
           <a:p>
             <a:fld id="{36EAE85C-68F9-2D48-9CE4-E25F1F9A5C59}" type="datetimeFigureOut">
               <a:rPr kumimoji="1" lang="ko-Kore-KR" altLang="en-US" smtClean="0"/>
-              <a:t>2020. 7. 23.</a:t>
+              <a:t>2020. 7. 29.</a:t>
             </a:fld>
             <a:endParaRPr kumimoji="1" lang="ko-Kore-KR" altLang="en-US"/>
           </a:p>
@@ -1454,7 +1454,7 @@
           <a:p>
             <a:fld id="{36EAE85C-68F9-2D48-9CE4-E25F1F9A5C59}" type="datetimeFigureOut">
               <a:rPr kumimoji="1" lang="ko-Kore-KR" altLang="en-US" smtClean="0"/>
-              <a:t>2020. 7. 23.</a:t>
+              <a:t>2020. 7. 29.</a:t>
             </a:fld>
             <a:endParaRPr kumimoji="1" lang="ko-Kore-KR" altLang="en-US"/>
           </a:p>
@@ -1869,7 +1869,7 @@
           <a:p>
             <a:fld id="{36EAE85C-68F9-2D48-9CE4-E25F1F9A5C59}" type="datetimeFigureOut">
               <a:rPr kumimoji="1" lang="ko-Kore-KR" altLang="en-US" smtClean="0"/>
-              <a:t>2020. 7. 23.</a:t>
+              <a:t>2020. 7. 29.</a:t>
             </a:fld>
             <a:endParaRPr kumimoji="1" lang="ko-Kore-KR" altLang="en-US"/>
           </a:p>
@@ -2011,7 +2011,7 @@
           <a:p>
             <a:fld id="{36EAE85C-68F9-2D48-9CE4-E25F1F9A5C59}" type="datetimeFigureOut">
               <a:rPr kumimoji="1" lang="ko-Kore-KR" altLang="en-US" smtClean="0"/>
-              <a:t>2020. 7. 23.</a:t>
+              <a:t>2020. 7. 29.</a:t>
             </a:fld>
             <a:endParaRPr kumimoji="1" lang="ko-Kore-KR" altLang="en-US"/>
           </a:p>
@@ -2124,7 +2124,7 @@
           <a:p>
             <a:fld id="{36EAE85C-68F9-2D48-9CE4-E25F1F9A5C59}" type="datetimeFigureOut">
               <a:rPr kumimoji="1" lang="ko-Kore-KR" altLang="en-US" smtClean="0"/>
-              <a:t>2020. 7. 23.</a:t>
+              <a:t>2020. 7. 29.</a:t>
             </a:fld>
             <a:endParaRPr kumimoji="1" lang="ko-Kore-KR" altLang="en-US"/>
           </a:p>
@@ -2437,7 +2437,7 @@
           <a:p>
             <a:fld id="{36EAE85C-68F9-2D48-9CE4-E25F1F9A5C59}" type="datetimeFigureOut">
               <a:rPr kumimoji="1" lang="ko-Kore-KR" altLang="en-US" smtClean="0"/>
-              <a:t>2020. 7. 23.</a:t>
+              <a:t>2020. 7. 29.</a:t>
             </a:fld>
             <a:endParaRPr kumimoji="1" lang="ko-Kore-KR" altLang="en-US"/>
           </a:p>
@@ -2726,7 +2726,7 @@
           <a:p>
             <a:fld id="{36EAE85C-68F9-2D48-9CE4-E25F1F9A5C59}" type="datetimeFigureOut">
               <a:rPr kumimoji="1" lang="ko-Kore-KR" altLang="en-US" smtClean="0"/>
-              <a:t>2020. 7. 23.</a:t>
+              <a:t>2020. 7. 29.</a:t>
             </a:fld>
             <a:endParaRPr kumimoji="1" lang="ko-Kore-KR" altLang="en-US"/>
           </a:p>
@@ -2969,7 +2969,7 @@
           <a:p>
             <a:fld id="{36EAE85C-68F9-2D48-9CE4-E25F1F9A5C59}" type="datetimeFigureOut">
               <a:rPr kumimoji="1" lang="ko-Kore-KR" altLang="en-US" smtClean="0"/>
-              <a:t>2020. 7. 23.</a:t>
+              <a:t>2020. 7. 29.</a:t>
             </a:fld>
             <a:endParaRPr kumimoji="1" lang="ko-Kore-KR" altLang="en-US"/>
           </a:p>
@@ -20991,6 +20991,17 @@
               </a:rPr>
               <a:t>)</a:t>
             </a:r>
+            <a:r>
+              <a:rPr lang="ko-KR" altLang="en-US" kern="100">
+                <a:solidFill>
+                  <a:schemeClr val="bg1"/>
+                </a:solidFill>
+                <a:latin typeface="Calibri" panose="020F0502020204030204" pitchFamily="34" charset="0"/>
+                <a:ea typeface="맑은 고딕" panose="020B0503020000020004" pitchFamily="34" charset="-127"/>
+                <a:cs typeface="Times New Roman" panose="02020603050405020304" pitchFamily="18" charset="0"/>
+              </a:rPr>
+              <a:t> </a:t>
+            </a:r>
             <a:endParaRPr lang="ko-Kore-KR" altLang="ko-Kore-KR" kern="100" dirty="0">
               <a:solidFill>
                 <a:schemeClr val="bg1"/>
@@ -22553,7 +22564,7 @@
         <p:spPr>
           <a:xfrm>
             <a:off x="3258207" y="1897650"/>
-            <a:ext cx="6096000" cy="923330"/>
+            <a:ext cx="6096000" cy="646331"/>
           </a:xfrm>
           <a:prstGeom prst="rect">
             <a:avLst/>
@@ -22625,31 +22636,6 @@
                 <a:cs typeface="Times New Roman" panose="02020603050405020304" pitchFamily="18" charset="0"/>
               </a:rPr>
               <a:t>로 회원만 메인페이지에 접속하게 하기</a:t>
-            </a:r>
-            <a:endParaRPr lang="ko-Kore-KR" altLang="ko-Kore-KR" kern="100" dirty="0">
-              <a:solidFill>
-                <a:schemeClr val="bg1"/>
-              </a:solidFill>
-              <a:latin typeface="Calibri" panose="020F0502020204030204" pitchFamily="34" charset="0"/>
-              <a:ea typeface="맑은 고딕" panose="020B0503020000020004" pitchFamily="34" charset="-127"/>
-              <a:cs typeface="Times New Roman" panose="02020603050405020304" pitchFamily="18" charset="0"/>
-            </a:endParaRPr>
-          </a:p>
-          <a:p>
-            <a:pPr marL="342900" lvl="0" indent="-342900" algn="just" latinLnBrk="1">
-              <a:buFont typeface="+mj-lt"/>
-              <a:buAutoNum type="arabicPeriod"/>
-            </a:pPr>
-            <a:r>
-              <a:rPr lang="ko-KR" altLang="en-US" kern="100" dirty="0">
-                <a:solidFill>
-                  <a:schemeClr val="bg1"/>
-                </a:solidFill>
-                <a:latin typeface="Calibri" panose="020F0502020204030204" pitchFamily="34" charset="0"/>
-                <a:ea typeface="맑은 고딕" panose="020B0503020000020004" pitchFamily="34" charset="-127"/>
-                <a:cs typeface="Times New Roman" panose="02020603050405020304" pitchFamily="18" charset="0"/>
-              </a:rPr>
-              <a:t>글쓰기</a:t>
             </a:r>
             <a:endParaRPr lang="ko-Kore-KR" altLang="ko-Kore-KR" kern="100" dirty="0">
               <a:solidFill>
@@ -22910,7 +22896,7 @@
         <p:spPr>
           <a:xfrm>
             <a:off x="3048000" y="1890029"/>
-            <a:ext cx="6096000" cy="923330"/>
+            <a:ext cx="6096000" cy="646331"/>
           </a:xfrm>
           <a:prstGeom prst="rect">
             <a:avLst/>
@@ -22927,7 +22913,7 @@
               <a:buAutoNum type="arabicPeriod"/>
             </a:pPr>
             <a:r>
-              <a:rPr lang="en-US" altLang="ko-Kore-KR" kern="100" dirty="0">
+              <a:rPr lang="ko-KR" altLang="en-US" kern="100" dirty="0">
                 <a:solidFill>
                   <a:schemeClr val="bg1"/>
                 </a:solidFill>
@@ -22935,39 +22921,9 @@
                 <a:ea typeface="맑은 고딕" panose="020B0503020000020004" pitchFamily="34" charset="-127"/>
                 <a:cs typeface="Times New Roman" panose="02020603050405020304" pitchFamily="18" charset="0"/>
               </a:rPr>
-              <a:t>data </a:t>
-            </a:r>
-            <a:r>
-              <a:rPr lang="ko-KR" altLang="ko-Kore-KR" kern="100" dirty="0">
-                <a:solidFill>
-                  <a:schemeClr val="bg1"/>
-                </a:solidFill>
-                <a:latin typeface="Calibri" panose="020F0502020204030204" pitchFamily="34" charset="0"/>
-                <a:cs typeface="Times New Roman" panose="02020603050405020304" pitchFamily="18" charset="0"/>
-              </a:rPr>
-              <a:t>검색 </a:t>
-            </a:r>
-            <a:r>
-              <a:rPr lang="ko-KR" altLang="ko-Kore-KR" kern="100" dirty="0" err="1">
-                <a:solidFill>
-                  <a:schemeClr val="bg1"/>
-                </a:solidFill>
-                <a:latin typeface="Calibri" panose="020F0502020204030204" pitchFamily="34" charset="0"/>
-                <a:cs typeface="Times New Roman" panose="02020603050405020304" pitchFamily="18" charset="0"/>
-              </a:rPr>
-              <a:t>미들웨어</a:t>
-            </a:r>
-            <a:r>
-              <a:rPr lang="ko-KR" altLang="ko-Kore-KR" kern="100" dirty="0">
-                <a:solidFill>
-                  <a:schemeClr val="bg1"/>
-                </a:solidFill>
-                <a:latin typeface="Calibri" panose="020F0502020204030204" pitchFamily="34" charset="0"/>
-                <a:cs typeface="Times New Roman" panose="02020603050405020304" pitchFamily="18" charset="0"/>
-              </a:rPr>
-              <a:t> 작성</a:t>
-            </a:r>
-            <a:endParaRPr lang="ko-Kore-KR" altLang="ko-Kore-KR" kern="100" dirty="0">
+              <a:t>글쓰기</a:t>
+            </a:r>
+            <a:endParaRPr lang="en-US" altLang="ko-KR" kern="100" dirty="0">
               <a:solidFill>
                 <a:schemeClr val="bg1"/>
               </a:solidFill>
@@ -22982,7 +22938,7 @@
               <a:buAutoNum type="arabicPeriod"/>
             </a:pPr>
             <a:r>
-              <a:rPr lang="en-US" altLang="ko-Kore-KR" kern="100" dirty="0">
+              <a:rPr lang="ko-KR" altLang="en-US" kern="100" dirty="0">
                 <a:solidFill>
                   <a:schemeClr val="bg1"/>
                 </a:solidFill>
@@ -22990,92 +22946,7 @@
                 <a:ea typeface="맑은 고딕" panose="020B0503020000020004" pitchFamily="34" charset="-127"/>
                 <a:cs typeface="Times New Roman" panose="02020603050405020304" pitchFamily="18" charset="0"/>
               </a:rPr>
-              <a:t>data </a:t>
-            </a:r>
-            <a:r>
-              <a:rPr lang="ko-KR" altLang="ko-Kore-KR" kern="100" dirty="0">
-                <a:solidFill>
-                  <a:schemeClr val="bg1"/>
-                </a:solidFill>
-                <a:latin typeface="Calibri" panose="020F0502020204030204" pitchFamily="34" charset="0"/>
-                <a:cs typeface="Times New Roman" panose="02020603050405020304" pitchFamily="18" charset="0"/>
-              </a:rPr>
-              <a:t>수정 </a:t>
-            </a:r>
-            <a:r>
-              <a:rPr lang="ko-KR" altLang="ko-Kore-KR" kern="100" dirty="0" err="1">
-                <a:solidFill>
-                  <a:schemeClr val="bg1"/>
-                </a:solidFill>
-                <a:latin typeface="Calibri" panose="020F0502020204030204" pitchFamily="34" charset="0"/>
-                <a:cs typeface="Times New Roman" panose="02020603050405020304" pitchFamily="18" charset="0"/>
-              </a:rPr>
-              <a:t>미들웨어</a:t>
-            </a:r>
-            <a:r>
-              <a:rPr lang="ko-KR" altLang="ko-Kore-KR" kern="100" dirty="0">
-                <a:solidFill>
-                  <a:schemeClr val="bg1"/>
-                </a:solidFill>
-                <a:latin typeface="Calibri" panose="020F0502020204030204" pitchFamily="34" charset="0"/>
-                <a:cs typeface="Times New Roman" panose="02020603050405020304" pitchFamily="18" charset="0"/>
-              </a:rPr>
-              <a:t> 작성</a:t>
-            </a:r>
-            <a:endParaRPr lang="ko-Kore-KR" altLang="ko-Kore-KR" kern="100" dirty="0">
-              <a:solidFill>
-                <a:schemeClr val="bg1"/>
-              </a:solidFill>
-              <a:latin typeface="Calibri" panose="020F0502020204030204" pitchFamily="34" charset="0"/>
-              <a:ea typeface="맑은 고딕" panose="020B0503020000020004" pitchFamily="34" charset="-127"/>
-              <a:cs typeface="Times New Roman" panose="02020603050405020304" pitchFamily="18" charset="0"/>
-            </a:endParaRPr>
-          </a:p>
-          <a:p>
-            <a:pPr marL="342900" lvl="0" indent="-342900" algn="just" latinLnBrk="1">
-              <a:buFont typeface="+mj-lt"/>
-              <a:buAutoNum type="arabicPeriod"/>
-            </a:pPr>
-            <a:r>
-              <a:rPr lang="en-US" altLang="ko-Kore-KR" kern="100" dirty="0">
-                <a:solidFill>
-                  <a:schemeClr val="bg1"/>
-                </a:solidFill>
-                <a:latin typeface="Calibri" panose="020F0502020204030204" pitchFamily="34" charset="0"/>
-                <a:ea typeface="맑은 고딕" panose="020B0503020000020004" pitchFamily="34" charset="-127"/>
-                <a:cs typeface="Times New Roman" panose="02020603050405020304" pitchFamily="18" charset="0"/>
-              </a:rPr>
-              <a:t>data </a:t>
-            </a:r>
-            <a:r>
-              <a:rPr lang="ko-KR" altLang="ko-Kore-KR" kern="100" dirty="0">
-                <a:solidFill>
-                  <a:schemeClr val="bg1"/>
-                </a:solidFill>
-                <a:latin typeface="Calibri" panose="020F0502020204030204" pitchFamily="34" charset="0"/>
-                <a:cs typeface="Times New Roman" panose="02020603050405020304" pitchFamily="18" charset="0"/>
-              </a:rPr>
-              <a:t>삭제 </a:t>
-            </a:r>
-            <a:r>
-              <a:rPr lang="ko-KR" altLang="ko-Kore-KR" kern="100" dirty="0" err="1">
-                <a:solidFill>
-                  <a:schemeClr val="bg1"/>
-                </a:solidFill>
-                <a:latin typeface="Calibri" panose="020F0502020204030204" pitchFamily="34" charset="0"/>
-                <a:cs typeface="Times New Roman" panose="02020603050405020304" pitchFamily="18" charset="0"/>
-              </a:rPr>
-              <a:t>미들웨어</a:t>
-            </a:r>
-            <a:r>
-              <a:rPr lang="ko-KR" altLang="ko-Kore-KR" kern="100" dirty="0">
-                <a:solidFill>
-                  <a:schemeClr val="bg1"/>
-                </a:solidFill>
-                <a:latin typeface="Calibri" panose="020F0502020204030204" pitchFamily="34" charset="0"/>
-                <a:cs typeface="Times New Roman" panose="02020603050405020304" pitchFamily="18" charset="0"/>
-              </a:rPr>
-              <a:t> 작성</a:t>
+              <a:t>글 불러오기</a:t>
             </a:r>
             <a:endParaRPr lang="ko-Kore-KR" altLang="ko-Kore-KR" kern="100" dirty="0">
               <a:solidFill>
